--- a/Figures/3G_Readiness_Levelsblue.pptx
+++ b/Figures/3G_Readiness_Levelsblue.pptx
@@ -200,7 +200,7 @@
           <a:p>
             <a:fld id="{80A3C999-FE59-4204-AACC-0F8516F767C4}" type="datetimeFigureOut">
               <a:rPr lang="de-DE" smtClean="0"/>
-              <a:t>31.03.2019</a:t>
+              <a:t>15.04.2019</a:t>
             </a:fld>
             <a:endParaRPr lang="de-DE"/>
           </a:p>
@@ -683,7 +683,7 @@
           <a:p>
             <a:fld id="{A314A3EB-5E85-4AC0-8178-142E63516165}" type="datetimeFigureOut">
               <a:rPr lang="de-DE" smtClean="0"/>
-              <a:t>31.03.2019</a:t>
+              <a:t>15.04.2019</a:t>
             </a:fld>
             <a:endParaRPr lang="de-DE"/>
           </a:p>
@@ -853,7 +853,7 @@
           <a:p>
             <a:fld id="{A314A3EB-5E85-4AC0-8178-142E63516165}" type="datetimeFigureOut">
               <a:rPr lang="de-DE" smtClean="0"/>
-              <a:t>31.03.2019</a:t>
+              <a:t>15.04.2019</a:t>
             </a:fld>
             <a:endParaRPr lang="de-DE"/>
           </a:p>
@@ -1033,7 +1033,7 @@
           <a:p>
             <a:fld id="{A314A3EB-5E85-4AC0-8178-142E63516165}" type="datetimeFigureOut">
               <a:rPr lang="de-DE" smtClean="0"/>
-              <a:t>31.03.2019</a:t>
+              <a:t>15.04.2019</a:t>
             </a:fld>
             <a:endParaRPr lang="de-DE"/>
           </a:p>
@@ -1203,7 +1203,7 @@
           <a:p>
             <a:fld id="{A314A3EB-5E85-4AC0-8178-142E63516165}" type="datetimeFigureOut">
               <a:rPr lang="de-DE" smtClean="0"/>
-              <a:t>31.03.2019</a:t>
+              <a:t>15.04.2019</a:t>
             </a:fld>
             <a:endParaRPr lang="de-DE"/>
           </a:p>
@@ -1447,7 +1447,7 @@
           <a:p>
             <a:fld id="{A314A3EB-5E85-4AC0-8178-142E63516165}" type="datetimeFigureOut">
               <a:rPr lang="de-DE" smtClean="0"/>
-              <a:t>31.03.2019</a:t>
+              <a:t>15.04.2019</a:t>
             </a:fld>
             <a:endParaRPr lang="de-DE"/>
           </a:p>
@@ -1679,7 +1679,7 @@
           <a:p>
             <a:fld id="{A314A3EB-5E85-4AC0-8178-142E63516165}" type="datetimeFigureOut">
               <a:rPr lang="de-DE" smtClean="0"/>
-              <a:t>31.03.2019</a:t>
+              <a:t>15.04.2019</a:t>
             </a:fld>
             <a:endParaRPr lang="de-DE"/>
           </a:p>
@@ -2046,7 +2046,7 @@
           <a:p>
             <a:fld id="{A314A3EB-5E85-4AC0-8178-142E63516165}" type="datetimeFigureOut">
               <a:rPr lang="de-DE" smtClean="0"/>
-              <a:t>31.03.2019</a:t>
+              <a:t>15.04.2019</a:t>
             </a:fld>
             <a:endParaRPr lang="de-DE"/>
           </a:p>
@@ -2164,7 +2164,7 @@
           <a:p>
             <a:fld id="{A314A3EB-5E85-4AC0-8178-142E63516165}" type="datetimeFigureOut">
               <a:rPr lang="de-DE" smtClean="0"/>
-              <a:t>31.03.2019</a:t>
+              <a:t>15.04.2019</a:t>
             </a:fld>
             <a:endParaRPr lang="de-DE"/>
           </a:p>
@@ -2259,7 +2259,7 @@
           <a:p>
             <a:fld id="{A314A3EB-5E85-4AC0-8178-142E63516165}" type="datetimeFigureOut">
               <a:rPr lang="de-DE" smtClean="0"/>
-              <a:t>31.03.2019</a:t>
+              <a:t>15.04.2019</a:t>
             </a:fld>
             <a:endParaRPr lang="de-DE"/>
           </a:p>
@@ -2536,7 +2536,7 @@
           <a:p>
             <a:fld id="{A314A3EB-5E85-4AC0-8178-142E63516165}" type="datetimeFigureOut">
               <a:rPr lang="de-DE" smtClean="0"/>
-              <a:t>31.03.2019</a:t>
+              <a:t>15.04.2019</a:t>
             </a:fld>
             <a:endParaRPr lang="de-DE"/>
           </a:p>
@@ -2793,7 +2793,7 @@
           <a:p>
             <a:fld id="{A314A3EB-5E85-4AC0-8178-142E63516165}" type="datetimeFigureOut">
               <a:rPr lang="de-DE" smtClean="0"/>
-              <a:t>31.03.2019</a:t>
+              <a:t>15.04.2019</a:t>
             </a:fld>
             <a:endParaRPr lang="de-DE"/>
           </a:p>
@@ -3006,7 +3006,7 @@
           <a:p>
             <a:fld id="{A314A3EB-5E85-4AC0-8178-142E63516165}" type="datetimeFigureOut">
               <a:rPr lang="de-DE" smtClean="0"/>
-              <a:t>31.03.2019</a:t>
+              <a:t>15.04.2019</a:t>
             </a:fld>
             <a:endParaRPr lang="de-DE"/>
           </a:p>
@@ -4071,7 +4071,7 @@
         <p:spPr>
           <a:xfrm>
             <a:off x="2130809" y="6524265"/>
-            <a:ext cx="8018182" cy="126000"/>
+            <a:ext cx="8018182" cy="252000"/>
           </a:xfrm>
           <a:prstGeom prst="rect">
             <a:avLst/>
@@ -5466,7 +5466,7 @@
             <p:spPr>
               <a:xfrm>
                 <a:off x="3327768" y="81810"/>
-                <a:ext cx="2469907" cy="369332"/>
+                <a:ext cx="2381036" cy="369332"/>
               </a:xfrm>
               <a:prstGeom prst="rect">
                 <a:avLst/>
@@ -5489,7 +5489,7 @@
                 </a:r>
                 <a:r>
                   <a:rPr lang="de-DE" dirty="0" err="1" smtClean="0"/>
-                  <a:t>readiness</a:t>
+                  <a:t>maturity</a:t>
                 </a:r>
                 <a:r>
                   <a:rPr lang="de-DE" dirty="0" smtClean="0"/>
@@ -5511,10 +5511,10 @@
             </p:nvGrpSpPr>
             <p:grpSpPr>
               <a:xfrm>
-                <a:off x="3414999" y="463803"/>
-                <a:ext cx="582381" cy="1128386"/>
-                <a:chOff x="7891421" y="484184"/>
-                <a:chExt cx="828005" cy="1128386"/>
+                <a:off x="3409147" y="463803"/>
+                <a:ext cx="594087" cy="1128386"/>
+                <a:chOff x="7883100" y="484184"/>
+                <a:chExt cx="844648" cy="1128386"/>
               </a:xfrm>
             </p:grpSpPr>
             <p:sp>
@@ -5525,8 +5525,8 @@
               </p:nvSpPr>
               <p:spPr>
                 <a:xfrm>
-                  <a:off x="7891421" y="776313"/>
-                  <a:ext cx="828002" cy="252000"/>
+                  <a:off x="7883100" y="776313"/>
+                  <a:ext cx="844645" cy="252000"/>
                 </a:xfrm>
                 <a:prstGeom prst="rect">
                   <a:avLst/>
@@ -5567,13 +5567,18 @@
                 <a:p>
                   <a:pPr algn="ctr"/>
                   <a:r>
-                    <a:rPr lang="de-DE" dirty="0">
+                    <a:rPr lang="de-DE" dirty="0" smtClean="0">
                       <a:solidFill>
                         <a:schemeClr val="tx1"/>
                       </a:solidFill>
                     </a:rPr>
-                    <a:t>TR2</a:t>
+                    <a:t>ML2</a:t>
                   </a:r>
+                  <a:endParaRPr lang="de-DE" dirty="0">
+                    <a:solidFill>
+                      <a:schemeClr val="tx1"/>
+                    </a:solidFill>
+                  </a:endParaRPr>
                 </a:p>
               </p:txBody>
             </p:sp>
@@ -5585,8 +5590,8 @@
               </p:nvSpPr>
               <p:spPr>
                 <a:xfrm>
-                  <a:off x="7891421" y="1068442"/>
-                  <a:ext cx="828001" cy="252000"/>
+                  <a:off x="7883100" y="1068442"/>
+                  <a:ext cx="844645" cy="252000"/>
                 </a:xfrm>
                 <a:prstGeom prst="rect">
                   <a:avLst/>
@@ -5627,13 +5632,18 @@
                 <a:p>
                   <a:pPr algn="ctr"/>
                   <a:r>
-                    <a:rPr lang="de-DE" dirty="0">
+                    <a:rPr lang="de-DE" dirty="0" smtClean="0">
                       <a:solidFill>
                         <a:schemeClr val="tx1"/>
                       </a:solidFill>
                     </a:rPr>
-                    <a:t>TR3</a:t>
+                    <a:t>ML3</a:t>
                   </a:r>
+                  <a:endParaRPr lang="de-DE" dirty="0">
+                    <a:solidFill>
+                      <a:schemeClr val="tx1"/>
+                    </a:solidFill>
+                  </a:endParaRPr>
                 </a:p>
               </p:txBody>
             </p:sp>
@@ -5645,8 +5655,8 @@
               </p:nvSpPr>
               <p:spPr>
                 <a:xfrm>
-                  <a:off x="7891426" y="1360570"/>
-                  <a:ext cx="828000" cy="252000"/>
+                  <a:off x="7883104" y="1360570"/>
+                  <a:ext cx="844644" cy="252000"/>
                 </a:xfrm>
                 <a:prstGeom prst="rect">
                   <a:avLst/>
@@ -5687,13 +5697,18 @@
                 <a:p>
                   <a:pPr algn="ctr"/>
                   <a:r>
-                    <a:rPr lang="de-DE" dirty="0">
+                    <a:rPr lang="de-DE" dirty="0" smtClean="0">
                       <a:solidFill>
                         <a:schemeClr val="tx1"/>
                       </a:solidFill>
                     </a:rPr>
-                    <a:t>TR4</a:t>
+                    <a:t>ML4</a:t>
                   </a:r>
+                  <a:endParaRPr lang="de-DE" dirty="0">
+                    <a:solidFill>
+                      <a:schemeClr val="tx1"/>
+                    </a:solidFill>
+                  </a:endParaRPr>
                 </a:p>
               </p:txBody>
             </p:sp>
@@ -5705,8 +5720,8 @@
               </p:nvSpPr>
               <p:spPr>
                 <a:xfrm>
-                  <a:off x="7891421" y="484184"/>
-                  <a:ext cx="828001" cy="252000"/>
+                  <a:off x="7883100" y="484184"/>
+                  <a:ext cx="844644" cy="252000"/>
                 </a:xfrm>
                 <a:prstGeom prst="rect">
                   <a:avLst/>
@@ -5747,13 +5762,18 @@
                 <a:p>
                   <a:pPr algn="ctr"/>
                   <a:r>
-                    <a:rPr lang="de-DE" dirty="0">
+                    <a:rPr lang="de-DE" dirty="0" smtClean="0">
                       <a:solidFill>
                         <a:schemeClr val="tx1"/>
                       </a:solidFill>
                     </a:rPr>
-                    <a:t>TR1</a:t>
+                    <a:t>ML1</a:t>
                   </a:r>
+                  <a:endParaRPr lang="de-DE" dirty="0">
+                    <a:solidFill>
+                      <a:schemeClr val="tx1"/>
+                    </a:solidFill>
+                  </a:endParaRPr>
                 </a:p>
               </p:txBody>
             </p:sp>
@@ -6372,11 +6392,7 @@
             <a:p>
               <a:r>
                 <a:rPr lang="de-DE" sz="1200" dirty="0" smtClean="0"/>
-                <a:t>5M</a:t>
-              </a:r>
-              <a:r>
-                <a:rPr lang="de-DE" sz="1200" dirty="0" smtClean="0"/>
-                <a:t>€,$</a:t>
+                <a:t>5M€,$</a:t>
               </a:r>
               <a:endParaRPr lang="de-DE" sz="1200" dirty="0"/>
             </a:p>
@@ -6410,89 +6426,13 @@
               </a:r>
               <a:r>
                 <a:rPr lang="de-DE" sz="1200" dirty="0" smtClean="0"/>
-                <a:t>  </a:t>
-              </a:r>
-              <a:r>
-                <a:rPr lang="de-DE" sz="1200" dirty="0" smtClean="0"/>
-                <a:t>50M</a:t>
-              </a:r>
-              <a:r>
-                <a:rPr lang="de-DE" sz="1200" dirty="0" smtClean="0"/>
-                <a:t>€,$</a:t>
+                <a:t>  50M€,$</a:t>
               </a:r>
               <a:endParaRPr lang="de-DE" sz="1200" dirty="0"/>
             </a:p>
           </p:txBody>
         </p:sp>
       </p:grpSp>
-      <p:sp>
-        <p:nvSpPr>
-          <p:cNvPr id="179" name="Rechteck 178"/>
-          <p:cNvSpPr/>
-          <p:nvPr/>
-        </p:nvSpPr>
-        <p:spPr>
-          <a:xfrm>
-            <a:off x="2130809" y="6660428"/>
-            <a:ext cx="8018182" cy="126000"/>
-          </a:xfrm>
-          <a:prstGeom prst="rect">
-            <a:avLst/>
-          </a:prstGeom>
-          <a:gradFill flip="none" rotWithShape="1">
-            <a:gsLst>
-              <a:gs pos="0">
-                <a:srgbClr val="FF0000"/>
-              </a:gs>
-              <a:gs pos="40000">
-                <a:srgbClr val="FFC000"/>
-              </a:gs>
-              <a:gs pos="66000">
-                <a:srgbClr val="FFFF00"/>
-              </a:gs>
-              <a:gs pos="84000">
-                <a:srgbClr val="00B050"/>
-              </a:gs>
-            </a:gsLst>
-            <a:lin ang="0" scaled="1"/>
-            <a:tileRect/>
-          </a:gradFill>
-          <a:ln>
-            <a:solidFill>
-              <a:schemeClr val="tx1"/>
-            </a:solidFill>
-          </a:ln>
-        </p:spPr>
-        <p:style>
-          <a:lnRef idx="2">
-            <a:schemeClr val="accent1">
-              <a:shade val="50000"/>
-            </a:schemeClr>
-          </a:lnRef>
-          <a:fillRef idx="1">
-            <a:schemeClr val="accent1"/>
-          </a:fillRef>
-          <a:effectRef idx="0">
-            <a:schemeClr val="accent1"/>
-          </a:effectRef>
-          <a:fontRef idx="minor">
-            <a:schemeClr val="lt1"/>
-          </a:fontRef>
-        </p:style>
-        <p:txBody>
-          <a:bodyPr rot="0" spcFirstLastPara="0" vertOverflow="overflow" horzOverflow="overflow" vert="horz" wrap="square" lIns="91440" tIns="45720" rIns="91440" bIns="45720" numCol="1" spcCol="0" rtlCol="0" fromWordArt="0" anchor="ctr" anchorCtr="0" forceAA="0" compatLnSpc="1">
-            <a:prstTxWarp prst="textNoShape">
-              <a:avLst/>
-            </a:prstTxWarp>
-            <a:noAutofit/>
-          </a:bodyPr>
-          <a:lstStyle/>
-          <a:p>
-            <a:pPr algn="ctr"/>
-            <a:endParaRPr lang="de-DE"/>
-          </a:p>
-        </p:txBody>
-      </p:sp>
     </p:spTree>
     <p:extLst>
       <p:ext uri="{BB962C8B-B14F-4D97-AF65-F5344CB8AC3E}">

--- a/Figures/3G_Readiness_Levelsblue.pptx
+++ b/Figures/3G_Readiness_Levelsblue.pptx
@@ -200,7 +200,7 @@
           <a:p>
             <a:fld id="{80A3C999-FE59-4204-AACC-0F8516F767C4}" type="datetimeFigureOut">
               <a:rPr lang="de-DE" smtClean="0"/>
-              <a:t>15.04.2019</a:t>
+              <a:t>23.04.2019</a:t>
             </a:fld>
             <a:endParaRPr lang="de-DE"/>
           </a:p>
@@ -683,7 +683,7 @@
           <a:p>
             <a:fld id="{A314A3EB-5E85-4AC0-8178-142E63516165}" type="datetimeFigureOut">
               <a:rPr lang="de-DE" smtClean="0"/>
-              <a:t>15.04.2019</a:t>
+              <a:t>23.04.2019</a:t>
             </a:fld>
             <a:endParaRPr lang="de-DE"/>
           </a:p>
@@ -853,7 +853,7 @@
           <a:p>
             <a:fld id="{A314A3EB-5E85-4AC0-8178-142E63516165}" type="datetimeFigureOut">
               <a:rPr lang="de-DE" smtClean="0"/>
-              <a:t>15.04.2019</a:t>
+              <a:t>23.04.2019</a:t>
             </a:fld>
             <a:endParaRPr lang="de-DE"/>
           </a:p>
@@ -1033,7 +1033,7 @@
           <a:p>
             <a:fld id="{A314A3EB-5E85-4AC0-8178-142E63516165}" type="datetimeFigureOut">
               <a:rPr lang="de-DE" smtClean="0"/>
-              <a:t>15.04.2019</a:t>
+              <a:t>23.04.2019</a:t>
             </a:fld>
             <a:endParaRPr lang="de-DE"/>
           </a:p>
@@ -1203,7 +1203,7 @@
           <a:p>
             <a:fld id="{A314A3EB-5E85-4AC0-8178-142E63516165}" type="datetimeFigureOut">
               <a:rPr lang="de-DE" smtClean="0"/>
-              <a:t>15.04.2019</a:t>
+              <a:t>23.04.2019</a:t>
             </a:fld>
             <a:endParaRPr lang="de-DE"/>
           </a:p>
@@ -1447,7 +1447,7 @@
           <a:p>
             <a:fld id="{A314A3EB-5E85-4AC0-8178-142E63516165}" type="datetimeFigureOut">
               <a:rPr lang="de-DE" smtClean="0"/>
-              <a:t>15.04.2019</a:t>
+              <a:t>23.04.2019</a:t>
             </a:fld>
             <a:endParaRPr lang="de-DE"/>
           </a:p>
@@ -1679,7 +1679,7 @@
           <a:p>
             <a:fld id="{A314A3EB-5E85-4AC0-8178-142E63516165}" type="datetimeFigureOut">
               <a:rPr lang="de-DE" smtClean="0"/>
-              <a:t>15.04.2019</a:t>
+              <a:t>23.04.2019</a:t>
             </a:fld>
             <a:endParaRPr lang="de-DE"/>
           </a:p>
@@ -2046,7 +2046,7 @@
           <a:p>
             <a:fld id="{A314A3EB-5E85-4AC0-8178-142E63516165}" type="datetimeFigureOut">
               <a:rPr lang="de-DE" smtClean="0"/>
-              <a:t>15.04.2019</a:t>
+              <a:t>23.04.2019</a:t>
             </a:fld>
             <a:endParaRPr lang="de-DE"/>
           </a:p>
@@ -2164,7 +2164,7 @@
           <a:p>
             <a:fld id="{A314A3EB-5E85-4AC0-8178-142E63516165}" type="datetimeFigureOut">
               <a:rPr lang="de-DE" smtClean="0"/>
-              <a:t>15.04.2019</a:t>
+              <a:t>23.04.2019</a:t>
             </a:fld>
             <a:endParaRPr lang="de-DE"/>
           </a:p>
@@ -2259,7 +2259,7 @@
           <a:p>
             <a:fld id="{A314A3EB-5E85-4AC0-8178-142E63516165}" type="datetimeFigureOut">
               <a:rPr lang="de-DE" smtClean="0"/>
-              <a:t>15.04.2019</a:t>
+              <a:t>23.04.2019</a:t>
             </a:fld>
             <a:endParaRPr lang="de-DE"/>
           </a:p>
@@ -2536,7 +2536,7 @@
           <a:p>
             <a:fld id="{A314A3EB-5E85-4AC0-8178-142E63516165}" type="datetimeFigureOut">
               <a:rPr lang="de-DE" smtClean="0"/>
-              <a:t>15.04.2019</a:t>
+              <a:t>23.04.2019</a:t>
             </a:fld>
             <a:endParaRPr lang="de-DE"/>
           </a:p>
@@ -2793,7 +2793,7 @@
           <a:p>
             <a:fld id="{A314A3EB-5E85-4AC0-8178-142E63516165}" type="datetimeFigureOut">
               <a:rPr lang="de-DE" smtClean="0"/>
-              <a:t>15.04.2019</a:t>
+              <a:t>23.04.2019</a:t>
             </a:fld>
             <a:endParaRPr lang="de-DE"/>
           </a:p>
@@ -3006,7 +3006,7 @@
           <a:p>
             <a:fld id="{A314A3EB-5E85-4AC0-8178-142E63516165}" type="datetimeFigureOut">
               <a:rPr lang="de-DE" smtClean="0"/>
-              <a:t>15.04.2019</a:t>
+              <a:t>23.04.2019</a:t>
             </a:fld>
             <a:endParaRPr lang="de-DE"/>
           </a:p>
@@ -5924,7 +5924,7 @@
         </p:nvSpPr>
         <p:spPr>
           <a:xfrm>
-            <a:off x="8655593" y="893119"/>
+            <a:off x="8655593" y="904005"/>
             <a:ext cx="1122813" cy="369332"/>
           </a:xfrm>
           <a:prstGeom prst="rect">
@@ -5982,7 +5982,7 @@
         </p:nvGrpSpPr>
         <p:grpSpPr>
           <a:xfrm>
-            <a:off x="8311588" y="186919"/>
+            <a:off x="8311588" y="197805"/>
             <a:ext cx="2029188" cy="1372683"/>
             <a:chOff x="8862378" y="85027"/>
             <a:chExt cx="2029188" cy="1372683"/>
@@ -6377,7 +6377,7 @@
           <p:spPr>
             <a:xfrm>
               <a:off x="8862378" y="1180711"/>
-              <a:ext cx="590226" cy="276999"/>
+              <a:ext cx="184731" cy="276999"/>
             </a:xfrm>
             <a:prstGeom prst="rect">
               <a:avLst/>
@@ -6390,10 +6390,6 @@
             </a:bodyPr>
             <a:lstStyle/>
             <a:p>
-              <a:r>
-                <a:rPr lang="de-DE" sz="1200" dirty="0" smtClean="0"/>
-                <a:t>5M€,$</a:t>
-              </a:r>
               <a:endParaRPr lang="de-DE" sz="1200" dirty="0"/>
             </a:p>
           </p:txBody>
@@ -6407,7 +6403,7 @@
           <p:spPr>
             <a:xfrm>
               <a:off x="9906645" y="1175414"/>
-              <a:ext cx="774571" cy="276999"/>
+              <a:ext cx="290464" cy="276999"/>
             </a:xfrm>
             <a:prstGeom prst="rect">
               <a:avLst/>
@@ -6426,7 +6422,7 @@
               </a:r>
               <a:r>
                 <a:rPr lang="de-DE" sz="1200" dirty="0" smtClean="0"/>
-                <a:t>  50M€,$</a:t>
+                <a:t>  </a:t>
               </a:r>
               <a:endParaRPr lang="de-DE" sz="1200" dirty="0"/>
             </a:p>

--- a/Figures/3G_Readiness_Levelsblue.pptx
+++ b/Figures/3G_Readiness_Levelsblue.pptx
@@ -200,7 +200,7 @@
           <a:p>
             <a:fld id="{80A3C999-FE59-4204-AACC-0F8516F767C4}" type="datetimeFigureOut">
               <a:rPr lang="de-DE" smtClean="0"/>
-              <a:t>23.04.2019</a:t>
+              <a:t>19.06.2019</a:t>
             </a:fld>
             <a:endParaRPr lang="de-DE"/>
           </a:p>
@@ -683,7 +683,7 @@
           <a:p>
             <a:fld id="{A314A3EB-5E85-4AC0-8178-142E63516165}" type="datetimeFigureOut">
               <a:rPr lang="de-DE" smtClean="0"/>
-              <a:t>23.04.2019</a:t>
+              <a:t>19.06.2019</a:t>
             </a:fld>
             <a:endParaRPr lang="de-DE"/>
           </a:p>
@@ -853,7 +853,7 @@
           <a:p>
             <a:fld id="{A314A3EB-5E85-4AC0-8178-142E63516165}" type="datetimeFigureOut">
               <a:rPr lang="de-DE" smtClean="0"/>
-              <a:t>23.04.2019</a:t>
+              <a:t>19.06.2019</a:t>
             </a:fld>
             <a:endParaRPr lang="de-DE"/>
           </a:p>
@@ -1033,7 +1033,7 @@
           <a:p>
             <a:fld id="{A314A3EB-5E85-4AC0-8178-142E63516165}" type="datetimeFigureOut">
               <a:rPr lang="de-DE" smtClean="0"/>
-              <a:t>23.04.2019</a:t>
+              <a:t>19.06.2019</a:t>
             </a:fld>
             <a:endParaRPr lang="de-DE"/>
           </a:p>
@@ -1203,7 +1203,7 @@
           <a:p>
             <a:fld id="{A314A3EB-5E85-4AC0-8178-142E63516165}" type="datetimeFigureOut">
               <a:rPr lang="de-DE" smtClean="0"/>
-              <a:t>23.04.2019</a:t>
+              <a:t>19.06.2019</a:t>
             </a:fld>
             <a:endParaRPr lang="de-DE"/>
           </a:p>
@@ -1447,7 +1447,7 @@
           <a:p>
             <a:fld id="{A314A3EB-5E85-4AC0-8178-142E63516165}" type="datetimeFigureOut">
               <a:rPr lang="de-DE" smtClean="0"/>
-              <a:t>23.04.2019</a:t>
+              <a:t>19.06.2019</a:t>
             </a:fld>
             <a:endParaRPr lang="de-DE"/>
           </a:p>
@@ -1679,7 +1679,7 @@
           <a:p>
             <a:fld id="{A314A3EB-5E85-4AC0-8178-142E63516165}" type="datetimeFigureOut">
               <a:rPr lang="de-DE" smtClean="0"/>
-              <a:t>23.04.2019</a:t>
+              <a:t>19.06.2019</a:t>
             </a:fld>
             <a:endParaRPr lang="de-DE"/>
           </a:p>
@@ -2046,7 +2046,7 @@
           <a:p>
             <a:fld id="{A314A3EB-5E85-4AC0-8178-142E63516165}" type="datetimeFigureOut">
               <a:rPr lang="de-DE" smtClean="0"/>
-              <a:t>23.04.2019</a:t>
+              <a:t>19.06.2019</a:t>
             </a:fld>
             <a:endParaRPr lang="de-DE"/>
           </a:p>
@@ -2164,7 +2164,7 @@
           <a:p>
             <a:fld id="{A314A3EB-5E85-4AC0-8178-142E63516165}" type="datetimeFigureOut">
               <a:rPr lang="de-DE" smtClean="0"/>
-              <a:t>23.04.2019</a:t>
+              <a:t>19.06.2019</a:t>
             </a:fld>
             <a:endParaRPr lang="de-DE"/>
           </a:p>
@@ -2259,7 +2259,7 @@
           <a:p>
             <a:fld id="{A314A3EB-5E85-4AC0-8178-142E63516165}" type="datetimeFigureOut">
               <a:rPr lang="de-DE" smtClean="0"/>
-              <a:t>23.04.2019</a:t>
+              <a:t>19.06.2019</a:t>
             </a:fld>
             <a:endParaRPr lang="de-DE"/>
           </a:p>
@@ -2536,7 +2536,7 @@
           <a:p>
             <a:fld id="{A314A3EB-5E85-4AC0-8178-142E63516165}" type="datetimeFigureOut">
               <a:rPr lang="de-DE" smtClean="0"/>
-              <a:t>23.04.2019</a:t>
+              <a:t>19.06.2019</a:t>
             </a:fld>
             <a:endParaRPr lang="de-DE"/>
           </a:p>
@@ -2793,7 +2793,7 @@
           <a:p>
             <a:fld id="{A314A3EB-5E85-4AC0-8178-142E63516165}" type="datetimeFigureOut">
               <a:rPr lang="de-DE" smtClean="0"/>
-              <a:t>23.04.2019</a:t>
+              <a:t>19.06.2019</a:t>
             </a:fld>
             <a:endParaRPr lang="de-DE"/>
           </a:p>
@@ -3006,7 +3006,7 @@
           <a:p>
             <a:fld id="{A314A3EB-5E85-4AC0-8178-142E63516165}" type="datetimeFigureOut">
               <a:rPr lang="de-DE" smtClean="0"/>
-              <a:t>23.04.2019</a:t>
+              <a:t>19.06.2019</a:t>
             </a:fld>
             <a:endParaRPr lang="de-DE"/>
           </a:p>
@@ -3455,7 +3455,7 @@
         </p:nvCxnSpPr>
         <p:spPr>
           <a:xfrm flipV="1">
-            <a:off x="2077199" y="1619363"/>
+            <a:off x="2072198" y="1624818"/>
             <a:ext cx="0" cy="5849291"/>
           </a:xfrm>
           <a:prstGeom prst="straightConnector1">
@@ -3491,7 +3491,7 @@
         </p:nvSpPr>
         <p:spPr>
           <a:xfrm>
-            <a:off x="1774027" y="7474440"/>
+            <a:off x="1754363" y="7474440"/>
             <a:ext cx="652743" cy="369332"/>
           </a:xfrm>
           <a:prstGeom prst="rect">
@@ -3607,7 +3607,7 @@
         </p:nvSpPr>
         <p:spPr>
           <a:xfrm rot="16200000">
-            <a:off x="-216337" y="4232877"/>
+            <a:off x="-245833" y="4232877"/>
             <a:ext cx="1182055" cy="369332"/>
           </a:xfrm>
           <a:prstGeom prst="rect">
@@ -3636,8 +3636,8 @@
         </p:nvSpPr>
         <p:spPr>
           <a:xfrm>
-            <a:off x="661393" y="1856544"/>
-            <a:ext cx="1104341" cy="369332"/>
+            <a:off x="513827" y="1772131"/>
+            <a:ext cx="1474634" cy="489878"/>
           </a:xfrm>
           <a:prstGeom prst="rect">
             <a:avLst/>
@@ -3650,18 +3650,31 @@
           </a:bodyPr>
           <a:lstStyle/>
           <a:p>
-            <a:r>
-              <a:rPr lang="de-DE" dirty="0"/>
-              <a:t>Inf. &amp; </a:t>
-            </a:r>
-            <a:r>
-              <a:rPr lang="de-DE" dirty="0" err="1"/>
-              <a:t>Fac</a:t>
-            </a:r>
-            <a:r>
-              <a:rPr lang="de-DE" dirty="0"/>
-              <a:t>.</a:t>
-            </a:r>
+            <a:pPr>
+              <a:lnSpc>
+                <a:spcPts val="1500"/>
+              </a:lnSpc>
+            </a:pPr>
+            <a:r>
+              <a:rPr lang="de-DE" dirty="0" smtClean="0"/>
+              <a:t>Infrastructure</a:t>
+            </a:r>
+            <a:br>
+              <a:rPr lang="de-DE" dirty="0" smtClean="0"/>
+            </a:br>
+            <a:r>
+              <a:rPr lang="de-DE" dirty="0" smtClean="0"/>
+              <a:t>&amp; </a:t>
+            </a:r>
+            <a:r>
+              <a:rPr lang="de-DE" dirty="0" err="1" smtClean="0"/>
+              <a:t>F</a:t>
+            </a:r>
+            <a:r>
+              <a:rPr lang="de-DE" dirty="0" err="1" smtClean="0"/>
+              <a:t>acilities</a:t>
+            </a:r>
+            <a:endParaRPr lang="de-DE" dirty="0"/>
           </a:p>
         </p:txBody>
       </p:sp>
@@ -3673,7 +3686,7 @@
         </p:nvSpPr>
         <p:spPr>
           <a:xfrm>
-            <a:off x="661393" y="2368744"/>
+            <a:off x="513827" y="2368744"/>
             <a:ext cx="1265859" cy="369332"/>
           </a:xfrm>
           <a:prstGeom prst="rect">
@@ -3707,7 +3720,7 @@
         </p:nvSpPr>
         <p:spPr>
           <a:xfrm>
-            <a:off x="661393" y="3393144"/>
+            <a:off x="513827" y="3393144"/>
             <a:ext cx="1197507" cy="369332"/>
           </a:xfrm>
           <a:prstGeom prst="rect">
@@ -3737,7 +3750,7 @@
         </p:nvSpPr>
         <p:spPr>
           <a:xfrm>
-            <a:off x="661392" y="2880944"/>
+            <a:off x="513827" y="2880944"/>
             <a:ext cx="988860" cy="369332"/>
           </a:xfrm>
           <a:prstGeom prst="rect">
@@ -3767,8 +3780,8 @@
         </p:nvSpPr>
         <p:spPr>
           <a:xfrm>
-            <a:off x="661393" y="4929744"/>
-            <a:ext cx="1298241" cy="369332"/>
+            <a:off x="513827" y="4863252"/>
+            <a:ext cx="1572354" cy="489878"/>
           </a:xfrm>
           <a:prstGeom prst="rect">
             <a:avLst/>
@@ -3781,10 +3794,27 @@
           </a:bodyPr>
           <a:lstStyle/>
           <a:p>
+            <a:pPr>
+              <a:lnSpc>
+                <a:spcPts val="1500"/>
+              </a:lnSpc>
+            </a:pPr>
             <a:r>
               <a:rPr lang="de-DE" dirty="0"/>
-              <a:t>Quantum E.</a:t>
-            </a:r>
+              <a:t>Quantum </a:t>
+            </a:r>
+            <a:r>
+              <a:rPr lang="de-DE" dirty="0" smtClean="0"/>
+              <a:t/>
+            </a:r>
+            <a:br>
+              <a:rPr lang="de-DE" dirty="0" smtClean="0"/>
+            </a:br>
+            <a:r>
+              <a:rPr lang="de-DE" dirty="0" err="1" smtClean="0"/>
+              <a:t>Enhancements</a:t>
+            </a:r>
+            <a:endParaRPr lang="de-DE" dirty="0"/>
           </a:p>
         </p:txBody>
       </p:sp>
@@ -3796,7 +3826,7 @@
         </p:nvSpPr>
         <p:spPr>
           <a:xfrm>
-            <a:off x="661392" y="4417544"/>
+            <a:off x="513827" y="4417544"/>
             <a:ext cx="1423082" cy="369332"/>
           </a:xfrm>
           <a:prstGeom prst="rect">
@@ -3830,8 +3860,8 @@
         </p:nvSpPr>
         <p:spPr>
           <a:xfrm>
-            <a:off x="661392" y="3905344"/>
-            <a:ext cx="1330108" cy="369332"/>
+            <a:off x="513827" y="3859501"/>
+            <a:ext cx="1217256" cy="489878"/>
           </a:xfrm>
           <a:prstGeom prst="rect">
             <a:avLst/>
@@ -3844,10 +3874,27 @@
           </a:bodyPr>
           <a:lstStyle/>
           <a:p>
-            <a:r>
-              <a:rPr lang="de-DE" dirty="0"/>
-              <a:t>Newt. Noise</a:t>
-            </a:r>
+            <a:pPr>
+              <a:lnSpc>
+                <a:spcPts val="1500"/>
+              </a:lnSpc>
+            </a:pPr>
+            <a:r>
+              <a:rPr lang="de-DE" dirty="0" err="1" smtClean="0"/>
+              <a:t>Newtonian</a:t>
+            </a:r>
+            <a:r>
+              <a:rPr lang="de-DE" dirty="0" smtClean="0"/>
+              <a:t/>
+            </a:r>
+            <a:br>
+              <a:rPr lang="de-DE" dirty="0" smtClean="0"/>
+            </a:br>
+            <a:r>
+              <a:rPr lang="de-DE" dirty="0" smtClean="0"/>
+              <a:t>Noise</a:t>
+            </a:r>
+            <a:endParaRPr lang="de-DE" dirty="0"/>
           </a:p>
         </p:txBody>
       </p:sp>
@@ -3859,7 +3906,7 @@
         </p:nvSpPr>
         <p:spPr>
           <a:xfrm>
-            <a:off x="661392" y="5441944"/>
+            <a:off x="513827" y="5441944"/>
             <a:ext cx="1149610" cy="369332"/>
           </a:xfrm>
           <a:prstGeom prst="rect">
@@ -3888,7 +3935,7 @@
         </p:nvSpPr>
         <p:spPr>
           <a:xfrm>
-            <a:off x="661392" y="6377688"/>
+            <a:off x="513827" y="6417966"/>
             <a:ext cx="1447319" cy="523220"/>
           </a:xfrm>
           <a:prstGeom prst="rect">
@@ -3934,8 +3981,8 @@
         </p:nvSpPr>
         <p:spPr>
           <a:xfrm>
-            <a:off x="661393" y="5954144"/>
-            <a:ext cx="1240019" cy="369332"/>
+            <a:off x="513827" y="5920976"/>
+            <a:ext cx="1046633" cy="489878"/>
           </a:xfrm>
           <a:prstGeom prst="rect">
             <a:avLst/>
@@ -3948,16 +3995,24 @@
           </a:bodyPr>
           <a:lstStyle/>
           <a:p>
-            <a:r>
-              <a:rPr lang="de-DE" dirty="0" err="1"/>
-              <a:t>Aux</a:t>
-            </a:r>
-            <a:r>
-              <a:rPr lang="de-DE" dirty="0"/>
-              <a:t>. </a:t>
-            </a:r>
-            <a:r>
-              <a:rPr lang="de-DE" dirty="0" err="1"/>
+            <a:pPr>
+              <a:lnSpc>
+                <a:spcPts val="1500"/>
+              </a:lnSpc>
+            </a:pPr>
+            <a:r>
+              <a:rPr lang="de-DE" dirty="0" err="1" smtClean="0"/>
+              <a:t>Auxiliary</a:t>
+            </a:r>
+            <a:r>
+              <a:rPr lang="de-DE" dirty="0" smtClean="0"/>
+              <a:t> </a:t>
+            </a:r>
+            <a:br>
+              <a:rPr lang="de-DE" dirty="0" smtClean="0"/>
+            </a:br>
+            <a:r>
+              <a:rPr lang="de-DE" dirty="0" err="1" smtClean="0"/>
               <a:t>Optics</a:t>
             </a:r>
             <a:endParaRPr lang="de-DE" dirty="0"/>
@@ -3972,7 +4027,7 @@
         </p:nvSpPr>
         <p:spPr>
           <a:xfrm>
-            <a:off x="661393" y="6978542"/>
+            <a:off x="513827" y="6978542"/>
             <a:ext cx="1203727" cy="369332"/>
           </a:xfrm>
           <a:prstGeom prst="rect">

--- a/Figures/3G_Readiness_Levelsblue.pptx
+++ b/Figures/3G_Readiness_Levelsblue.pptx
@@ -200,7 +200,7 @@
           <a:p>
             <a:fld id="{80A3C999-FE59-4204-AACC-0F8516F767C4}" type="datetimeFigureOut">
               <a:rPr lang="de-DE" smtClean="0"/>
-              <a:t>19.06.2019</a:t>
+              <a:t>19.07.19</a:t>
             </a:fld>
             <a:endParaRPr lang="de-DE"/>
           </a:p>
@@ -264,38 +264,37 @@
           <a:p>
             <a:pPr lvl="0"/>
             <a:r>
-              <a:rPr lang="de-DE" smtClean="0"/>
+              <a:rPr lang="de-DE"/>
               <a:t>Formatvorlagen des Textmasters bearbeiten</a:t>
             </a:r>
           </a:p>
           <a:p>
             <a:pPr lvl="1"/>
             <a:r>
-              <a:rPr lang="de-DE" smtClean="0"/>
+              <a:rPr lang="de-DE"/>
               <a:t>Zweite Ebene</a:t>
             </a:r>
           </a:p>
           <a:p>
             <a:pPr lvl="2"/>
             <a:r>
-              <a:rPr lang="de-DE" smtClean="0"/>
+              <a:rPr lang="de-DE"/>
               <a:t>Dritte Ebene</a:t>
             </a:r>
           </a:p>
           <a:p>
             <a:pPr lvl="3"/>
             <a:r>
-              <a:rPr lang="de-DE" smtClean="0"/>
+              <a:rPr lang="de-DE"/>
               <a:t>Vierte Ebene</a:t>
             </a:r>
           </a:p>
           <a:p>
             <a:pPr lvl="4"/>
             <a:r>
-              <a:rPr lang="de-DE" smtClean="0"/>
+              <a:rPr lang="de-DE"/>
               <a:t>Fünfte Ebene</a:t>
             </a:r>
-            <a:endParaRPr lang="de-DE"/>
           </a:p>
         </p:txBody>
       </p:sp>
@@ -359,7 +358,7 @@
           <a:p>
             <a:fld id="{DF6905FE-482A-46B7-B3C8-101C2CA01886}" type="slidenum">
               <a:rPr lang="de-DE" smtClean="0"/>
-              <a:t>‹Nr.›</a:t>
+              <a:t>‹#›</a:t>
             </a:fld>
             <a:endParaRPr lang="de-DE"/>
           </a:p>
@@ -594,7 +593,7 @@
           </a:lstStyle>
           <a:p>
             <a:r>
-              <a:rPr lang="de-DE" smtClean="0"/>
+              <a:rPr lang="de-DE"/>
               <a:t>Titelmasterformat durch Klicken bearbeiten</a:t>
             </a:r>
             <a:endParaRPr lang="en-US" dirty="0"/>
@@ -659,7 +658,7 @@
           </a:lstStyle>
           <a:p>
             <a:r>
-              <a:rPr lang="de-DE" smtClean="0"/>
+              <a:rPr lang="de-DE"/>
               <a:t>Formatvorlage des Untertitelmasters durch Klicken bearbeiten</a:t>
             </a:r>
             <a:endParaRPr lang="en-US" dirty="0"/>
@@ -683,7 +682,7 @@
           <a:p>
             <a:fld id="{A314A3EB-5E85-4AC0-8178-142E63516165}" type="datetimeFigureOut">
               <a:rPr lang="de-DE" smtClean="0"/>
-              <a:t>19.06.2019</a:t>
+              <a:t>19.07.19</a:t>
             </a:fld>
             <a:endParaRPr lang="de-DE"/>
           </a:p>
@@ -725,7 +724,7 @@
           <a:p>
             <a:fld id="{36BDBAF9-A2E5-4F6D-958F-594D43815227}" type="slidenum">
               <a:rPr lang="de-DE" smtClean="0"/>
-              <a:t>‹Nr.›</a:t>
+              <a:t>‹#›</a:t>
             </a:fld>
             <a:endParaRPr lang="de-DE"/>
           </a:p>
@@ -777,7 +776,7 @@
           <a:lstStyle/>
           <a:p>
             <a:r>
-              <a:rPr lang="de-DE" smtClean="0"/>
+              <a:rPr lang="de-DE"/>
               <a:t>Titelmasterformat durch Klicken bearbeiten</a:t>
             </a:r>
             <a:endParaRPr lang="en-US" dirty="0"/>
@@ -801,35 +800,35 @@
           <a:p>
             <a:pPr lvl="0"/>
             <a:r>
-              <a:rPr lang="de-DE" smtClean="0"/>
+              <a:rPr lang="de-DE"/>
               <a:t>Formatvorlagen des Textmasters bearbeiten</a:t>
             </a:r>
           </a:p>
           <a:p>
             <a:pPr lvl="1"/>
             <a:r>
-              <a:rPr lang="de-DE" smtClean="0"/>
+              <a:rPr lang="de-DE"/>
               <a:t>Zweite Ebene</a:t>
             </a:r>
           </a:p>
           <a:p>
             <a:pPr lvl="2"/>
             <a:r>
-              <a:rPr lang="de-DE" smtClean="0"/>
+              <a:rPr lang="de-DE"/>
               <a:t>Dritte Ebene</a:t>
             </a:r>
           </a:p>
           <a:p>
             <a:pPr lvl="3"/>
             <a:r>
-              <a:rPr lang="de-DE" smtClean="0"/>
+              <a:rPr lang="de-DE"/>
               <a:t>Vierte Ebene</a:t>
             </a:r>
           </a:p>
           <a:p>
             <a:pPr lvl="4"/>
             <a:r>
-              <a:rPr lang="de-DE" smtClean="0"/>
+              <a:rPr lang="de-DE"/>
               <a:t>Fünfte Ebene</a:t>
             </a:r>
             <a:endParaRPr lang="en-US" dirty="0"/>
@@ -853,7 +852,7 @@
           <a:p>
             <a:fld id="{A314A3EB-5E85-4AC0-8178-142E63516165}" type="datetimeFigureOut">
               <a:rPr lang="de-DE" smtClean="0"/>
-              <a:t>19.06.2019</a:t>
+              <a:t>19.07.19</a:t>
             </a:fld>
             <a:endParaRPr lang="de-DE"/>
           </a:p>
@@ -895,7 +894,7 @@
           <a:p>
             <a:fld id="{36BDBAF9-A2E5-4F6D-958F-594D43815227}" type="slidenum">
               <a:rPr lang="de-DE" smtClean="0"/>
-              <a:t>‹Nr.›</a:t>
+              <a:t>‹#›</a:t>
             </a:fld>
             <a:endParaRPr lang="de-DE"/>
           </a:p>
@@ -952,7 +951,7 @@
           <a:lstStyle/>
           <a:p>
             <a:r>
-              <a:rPr lang="de-DE" smtClean="0"/>
+              <a:rPr lang="de-DE"/>
               <a:t>Titelmasterformat durch Klicken bearbeiten</a:t>
             </a:r>
             <a:endParaRPr lang="en-US" dirty="0"/>
@@ -981,35 +980,35 @@
           <a:p>
             <a:pPr lvl="0"/>
             <a:r>
-              <a:rPr lang="de-DE" smtClean="0"/>
+              <a:rPr lang="de-DE"/>
               <a:t>Formatvorlagen des Textmasters bearbeiten</a:t>
             </a:r>
           </a:p>
           <a:p>
             <a:pPr lvl="1"/>
             <a:r>
-              <a:rPr lang="de-DE" smtClean="0"/>
+              <a:rPr lang="de-DE"/>
               <a:t>Zweite Ebene</a:t>
             </a:r>
           </a:p>
           <a:p>
             <a:pPr lvl="2"/>
             <a:r>
-              <a:rPr lang="de-DE" smtClean="0"/>
+              <a:rPr lang="de-DE"/>
               <a:t>Dritte Ebene</a:t>
             </a:r>
           </a:p>
           <a:p>
             <a:pPr lvl="3"/>
             <a:r>
-              <a:rPr lang="de-DE" smtClean="0"/>
+              <a:rPr lang="de-DE"/>
               <a:t>Vierte Ebene</a:t>
             </a:r>
           </a:p>
           <a:p>
             <a:pPr lvl="4"/>
             <a:r>
-              <a:rPr lang="de-DE" smtClean="0"/>
+              <a:rPr lang="de-DE"/>
               <a:t>Fünfte Ebene</a:t>
             </a:r>
             <a:endParaRPr lang="en-US" dirty="0"/>
@@ -1033,7 +1032,7 @@
           <a:p>
             <a:fld id="{A314A3EB-5E85-4AC0-8178-142E63516165}" type="datetimeFigureOut">
               <a:rPr lang="de-DE" smtClean="0"/>
-              <a:t>19.06.2019</a:t>
+              <a:t>19.07.19</a:t>
             </a:fld>
             <a:endParaRPr lang="de-DE"/>
           </a:p>
@@ -1075,7 +1074,7 @@
           <a:p>
             <a:fld id="{36BDBAF9-A2E5-4F6D-958F-594D43815227}" type="slidenum">
               <a:rPr lang="de-DE" smtClean="0"/>
-              <a:t>‹Nr.›</a:t>
+              <a:t>‹#›</a:t>
             </a:fld>
             <a:endParaRPr lang="de-DE"/>
           </a:p>
@@ -1127,7 +1126,7 @@
           <a:lstStyle/>
           <a:p>
             <a:r>
-              <a:rPr lang="de-DE" smtClean="0"/>
+              <a:rPr lang="de-DE"/>
               <a:t>Titelmasterformat durch Klicken bearbeiten</a:t>
             </a:r>
             <a:endParaRPr lang="en-US" dirty="0"/>
@@ -1151,35 +1150,35 @@
           <a:p>
             <a:pPr lvl="0"/>
             <a:r>
-              <a:rPr lang="de-DE" smtClean="0"/>
+              <a:rPr lang="de-DE"/>
               <a:t>Formatvorlagen des Textmasters bearbeiten</a:t>
             </a:r>
           </a:p>
           <a:p>
             <a:pPr lvl="1"/>
             <a:r>
-              <a:rPr lang="de-DE" smtClean="0"/>
+              <a:rPr lang="de-DE"/>
               <a:t>Zweite Ebene</a:t>
             </a:r>
           </a:p>
           <a:p>
             <a:pPr lvl="2"/>
             <a:r>
-              <a:rPr lang="de-DE" smtClean="0"/>
+              <a:rPr lang="de-DE"/>
               <a:t>Dritte Ebene</a:t>
             </a:r>
           </a:p>
           <a:p>
             <a:pPr lvl="3"/>
             <a:r>
-              <a:rPr lang="de-DE" smtClean="0"/>
+              <a:rPr lang="de-DE"/>
               <a:t>Vierte Ebene</a:t>
             </a:r>
           </a:p>
           <a:p>
             <a:pPr lvl="4"/>
             <a:r>
-              <a:rPr lang="de-DE" smtClean="0"/>
+              <a:rPr lang="de-DE"/>
               <a:t>Fünfte Ebene</a:t>
             </a:r>
             <a:endParaRPr lang="en-US" dirty="0"/>
@@ -1203,7 +1202,7 @@
           <a:p>
             <a:fld id="{A314A3EB-5E85-4AC0-8178-142E63516165}" type="datetimeFigureOut">
               <a:rPr lang="de-DE" smtClean="0"/>
-              <a:t>19.06.2019</a:t>
+              <a:t>19.07.19</a:t>
             </a:fld>
             <a:endParaRPr lang="de-DE"/>
           </a:p>
@@ -1245,7 +1244,7 @@
           <a:p>
             <a:fld id="{36BDBAF9-A2E5-4F6D-958F-594D43815227}" type="slidenum">
               <a:rPr lang="de-DE" smtClean="0"/>
-              <a:t>‹Nr.›</a:t>
+              <a:t>‹#›</a:t>
             </a:fld>
             <a:endParaRPr lang="de-DE"/>
           </a:p>
@@ -1306,7 +1305,7 @@
           </a:lstStyle>
           <a:p>
             <a:r>
-              <a:rPr lang="de-DE" smtClean="0"/>
+              <a:rPr lang="de-DE"/>
               <a:t>Titelmasterformat durch Klicken bearbeiten</a:t>
             </a:r>
             <a:endParaRPr lang="en-US" dirty="0"/>
@@ -1424,7 +1423,7 @@
           <a:p>
             <a:pPr lvl="0"/>
             <a:r>
-              <a:rPr lang="de-DE" smtClean="0"/>
+              <a:rPr lang="de-DE"/>
               <a:t>Formatvorlagen des Textmasters bearbeiten</a:t>
             </a:r>
           </a:p>
@@ -1447,7 +1446,7 @@
           <a:p>
             <a:fld id="{A314A3EB-5E85-4AC0-8178-142E63516165}" type="datetimeFigureOut">
               <a:rPr lang="de-DE" smtClean="0"/>
-              <a:t>19.06.2019</a:t>
+              <a:t>19.07.19</a:t>
             </a:fld>
             <a:endParaRPr lang="de-DE"/>
           </a:p>
@@ -1489,7 +1488,7 @@
           <a:p>
             <a:fld id="{36BDBAF9-A2E5-4F6D-958F-594D43815227}" type="slidenum">
               <a:rPr lang="de-DE" smtClean="0"/>
-              <a:t>‹Nr.›</a:t>
+              <a:t>‹#›</a:t>
             </a:fld>
             <a:endParaRPr lang="de-DE"/>
           </a:p>
@@ -1541,7 +1540,7 @@
           <a:lstStyle/>
           <a:p>
             <a:r>
-              <a:rPr lang="de-DE" smtClean="0"/>
+              <a:rPr lang="de-DE"/>
               <a:t>Titelmasterformat durch Klicken bearbeiten</a:t>
             </a:r>
             <a:endParaRPr lang="en-US" dirty="0"/>
@@ -1570,35 +1569,35 @@
           <a:p>
             <a:pPr lvl="0"/>
             <a:r>
-              <a:rPr lang="de-DE" smtClean="0"/>
+              <a:rPr lang="de-DE"/>
               <a:t>Formatvorlagen des Textmasters bearbeiten</a:t>
             </a:r>
           </a:p>
           <a:p>
             <a:pPr lvl="1"/>
             <a:r>
-              <a:rPr lang="de-DE" smtClean="0"/>
+              <a:rPr lang="de-DE"/>
               <a:t>Zweite Ebene</a:t>
             </a:r>
           </a:p>
           <a:p>
             <a:pPr lvl="2"/>
             <a:r>
-              <a:rPr lang="de-DE" smtClean="0"/>
+              <a:rPr lang="de-DE"/>
               <a:t>Dritte Ebene</a:t>
             </a:r>
           </a:p>
           <a:p>
             <a:pPr lvl="3"/>
             <a:r>
-              <a:rPr lang="de-DE" smtClean="0"/>
+              <a:rPr lang="de-DE"/>
               <a:t>Vierte Ebene</a:t>
             </a:r>
           </a:p>
           <a:p>
             <a:pPr lvl="4"/>
             <a:r>
-              <a:rPr lang="de-DE" smtClean="0"/>
+              <a:rPr lang="de-DE"/>
               <a:t>Fünfte Ebene</a:t>
             </a:r>
             <a:endParaRPr lang="en-US" dirty="0"/>
@@ -1627,35 +1626,35 @@
           <a:p>
             <a:pPr lvl="0"/>
             <a:r>
-              <a:rPr lang="de-DE" smtClean="0"/>
+              <a:rPr lang="de-DE"/>
               <a:t>Formatvorlagen des Textmasters bearbeiten</a:t>
             </a:r>
           </a:p>
           <a:p>
             <a:pPr lvl="1"/>
             <a:r>
-              <a:rPr lang="de-DE" smtClean="0"/>
+              <a:rPr lang="de-DE"/>
               <a:t>Zweite Ebene</a:t>
             </a:r>
           </a:p>
           <a:p>
             <a:pPr lvl="2"/>
             <a:r>
-              <a:rPr lang="de-DE" smtClean="0"/>
+              <a:rPr lang="de-DE"/>
               <a:t>Dritte Ebene</a:t>
             </a:r>
           </a:p>
           <a:p>
             <a:pPr lvl="3"/>
             <a:r>
-              <a:rPr lang="de-DE" smtClean="0"/>
+              <a:rPr lang="de-DE"/>
               <a:t>Vierte Ebene</a:t>
             </a:r>
           </a:p>
           <a:p>
             <a:pPr lvl="4"/>
             <a:r>
-              <a:rPr lang="de-DE" smtClean="0"/>
+              <a:rPr lang="de-DE"/>
               <a:t>Fünfte Ebene</a:t>
             </a:r>
             <a:endParaRPr lang="en-US" dirty="0"/>
@@ -1679,7 +1678,7 @@
           <a:p>
             <a:fld id="{A314A3EB-5E85-4AC0-8178-142E63516165}" type="datetimeFigureOut">
               <a:rPr lang="de-DE" smtClean="0"/>
-              <a:t>19.06.2019</a:t>
+              <a:t>19.07.19</a:t>
             </a:fld>
             <a:endParaRPr lang="de-DE"/>
           </a:p>
@@ -1721,7 +1720,7 @@
           <a:p>
             <a:fld id="{36BDBAF9-A2E5-4F6D-958F-594D43815227}" type="slidenum">
               <a:rPr lang="de-DE" smtClean="0"/>
-              <a:t>‹Nr.›</a:t>
+              <a:t>‹#›</a:t>
             </a:fld>
             <a:endParaRPr lang="de-DE"/>
           </a:p>
@@ -1778,7 +1777,7 @@
           <a:lstStyle/>
           <a:p>
             <a:r>
-              <a:rPr lang="de-DE" smtClean="0"/>
+              <a:rPr lang="de-DE"/>
               <a:t>Titelmasterformat durch Klicken bearbeiten</a:t>
             </a:r>
             <a:endParaRPr lang="en-US" dirty="0"/>
@@ -1844,7 +1843,7 @@
           <a:p>
             <a:pPr lvl="0"/>
             <a:r>
-              <a:rPr lang="de-DE" smtClean="0"/>
+              <a:rPr lang="de-DE"/>
               <a:t>Formatvorlagen des Textmasters bearbeiten</a:t>
             </a:r>
           </a:p>
@@ -1872,35 +1871,35 @@
           <a:p>
             <a:pPr lvl="0"/>
             <a:r>
-              <a:rPr lang="de-DE" smtClean="0"/>
+              <a:rPr lang="de-DE"/>
               <a:t>Formatvorlagen des Textmasters bearbeiten</a:t>
             </a:r>
           </a:p>
           <a:p>
             <a:pPr lvl="1"/>
             <a:r>
-              <a:rPr lang="de-DE" smtClean="0"/>
+              <a:rPr lang="de-DE"/>
               <a:t>Zweite Ebene</a:t>
             </a:r>
           </a:p>
           <a:p>
             <a:pPr lvl="2"/>
             <a:r>
-              <a:rPr lang="de-DE" smtClean="0"/>
+              <a:rPr lang="de-DE"/>
               <a:t>Dritte Ebene</a:t>
             </a:r>
           </a:p>
           <a:p>
             <a:pPr lvl="3"/>
             <a:r>
-              <a:rPr lang="de-DE" smtClean="0"/>
+              <a:rPr lang="de-DE"/>
               <a:t>Vierte Ebene</a:t>
             </a:r>
           </a:p>
           <a:p>
             <a:pPr lvl="4"/>
             <a:r>
-              <a:rPr lang="de-DE" smtClean="0"/>
+              <a:rPr lang="de-DE"/>
               <a:t>Fünfte Ebene</a:t>
             </a:r>
             <a:endParaRPr lang="en-US" dirty="0"/>
@@ -1966,7 +1965,7 @@
           <a:p>
             <a:pPr lvl="0"/>
             <a:r>
-              <a:rPr lang="de-DE" smtClean="0"/>
+              <a:rPr lang="de-DE"/>
               <a:t>Formatvorlagen des Textmasters bearbeiten</a:t>
             </a:r>
           </a:p>
@@ -1994,35 +1993,35 @@
           <a:p>
             <a:pPr lvl="0"/>
             <a:r>
-              <a:rPr lang="de-DE" smtClean="0"/>
+              <a:rPr lang="de-DE"/>
               <a:t>Formatvorlagen des Textmasters bearbeiten</a:t>
             </a:r>
           </a:p>
           <a:p>
             <a:pPr lvl="1"/>
             <a:r>
-              <a:rPr lang="de-DE" smtClean="0"/>
+              <a:rPr lang="de-DE"/>
               <a:t>Zweite Ebene</a:t>
             </a:r>
           </a:p>
           <a:p>
             <a:pPr lvl="2"/>
             <a:r>
-              <a:rPr lang="de-DE" smtClean="0"/>
+              <a:rPr lang="de-DE"/>
               <a:t>Dritte Ebene</a:t>
             </a:r>
           </a:p>
           <a:p>
             <a:pPr lvl="3"/>
             <a:r>
-              <a:rPr lang="de-DE" smtClean="0"/>
+              <a:rPr lang="de-DE"/>
               <a:t>Vierte Ebene</a:t>
             </a:r>
           </a:p>
           <a:p>
             <a:pPr lvl="4"/>
             <a:r>
-              <a:rPr lang="de-DE" smtClean="0"/>
+              <a:rPr lang="de-DE"/>
               <a:t>Fünfte Ebene</a:t>
             </a:r>
             <a:endParaRPr lang="en-US" dirty="0"/>
@@ -2046,7 +2045,7 @@
           <a:p>
             <a:fld id="{A314A3EB-5E85-4AC0-8178-142E63516165}" type="datetimeFigureOut">
               <a:rPr lang="de-DE" smtClean="0"/>
-              <a:t>19.06.2019</a:t>
+              <a:t>19.07.19</a:t>
             </a:fld>
             <a:endParaRPr lang="de-DE"/>
           </a:p>
@@ -2088,7 +2087,7 @@
           <a:p>
             <a:fld id="{36BDBAF9-A2E5-4F6D-958F-594D43815227}" type="slidenum">
               <a:rPr lang="de-DE" smtClean="0"/>
-              <a:t>‹Nr.›</a:t>
+              <a:t>‹#›</a:t>
             </a:fld>
             <a:endParaRPr lang="de-DE"/>
           </a:p>
@@ -2140,7 +2139,7 @@
           <a:lstStyle/>
           <a:p>
             <a:r>
-              <a:rPr lang="de-DE" smtClean="0"/>
+              <a:rPr lang="de-DE"/>
               <a:t>Titelmasterformat durch Klicken bearbeiten</a:t>
             </a:r>
             <a:endParaRPr lang="en-US" dirty="0"/>
@@ -2164,7 +2163,7 @@
           <a:p>
             <a:fld id="{A314A3EB-5E85-4AC0-8178-142E63516165}" type="datetimeFigureOut">
               <a:rPr lang="de-DE" smtClean="0"/>
-              <a:t>19.06.2019</a:t>
+              <a:t>19.07.19</a:t>
             </a:fld>
             <a:endParaRPr lang="de-DE"/>
           </a:p>
@@ -2206,7 +2205,7 @@
           <a:p>
             <a:fld id="{36BDBAF9-A2E5-4F6D-958F-594D43815227}" type="slidenum">
               <a:rPr lang="de-DE" smtClean="0"/>
-              <a:t>‹Nr.›</a:t>
+              <a:t>‹#›</a:t>
             </a:fld>
             <a:endParaRPr lang="de-DE"/>
           </a:p>
@@ -2259,7 +2258,7 @@
           <a:p>
             <a:fld id="{A314A3EB-5E85-4AC0-8178-142E63516165}" type="datetimeFigureOut">
               <a:rPr lang="de-DE" smtClean="0"/>
-              <a:t>19.06.2019</a:t>
+              <a:t>19.07.19</a:t>
             </a:fld>
             <a:endParaRPr lang="de-DE"/>
           </a:p>
@@ -2301,7 +2300,7 @@
           <a:p>
             <a:fld id="{36BDBAF9-A2E5-4F6D-958F-594D43815227}" type="slidenum">
               <a:rPr lang="de-DE" smtClean="0"/>
-              <a:t>‹Nr.›</a:t>
+              <a:t>‹#›</a:t>
             </a:fld>
             <a:endParaRPr lang="de-DE"/>
           </a:p>
@@ -2362,7 +2361,7 @@
           </a:lstStyle>
           <a:p>
             <a:r>
-              <a:rPr lang="de-DE" smtClean="0"/>
+              <a:rPr lang="de-DE"/>
               <a:t>Titelmasterformat durch Klicken bearbeiten</a:t>
             </a:r>
             <a:endParaRPr lang="en-US" dirty="0"/>
@@ -2419,35 +2418,35 @@
           <a:p>
             <a:pPr lvl="0"/>
             <a:r>
-              <a:rPr lang="de-DE" smtClean="0"/>
+              <a:rPr lang="de-DE"/>
               <a:t>Formatvorlagen des Textmasters bearbeiten</a:t>
             </a:r>
           </a:p>
           <a:p>
             <a:pPr lvl="1"/>
             <a:r>
-              <a:rPr lang="de-DE" smtClean="0"/>
+              <a:rPr lang="de-DE"/>
               <a:t>Zweite Ebene</a:t>
             </a:r>
           </a:p>
           <a:p>
             <a:pPr lvl="2"/>
             <a:r>
-              <a:rPr lang="de-DE" smtClean="0"/>
+              <a:rPr lang="de-DE"/>
               <a:t>Dritte Ebene</a:t>
             </a:r>
           </a:p>
           <a:p>
             <a:pPr lvl="3"/>
             <a:r>
-              <a:rPr lang="de-DE" smtClean="0"/>
+              <a:rPr lang="de-DE"/>
               <a:t>Vierte Ebene</a:t>
             </a:r>
           </a:p>
           <a:p>
             <a:pPr lvl="4"/>
             <a:r>
-              <a:rPr lang="de-DE" smtClean="0"/>
+              <a:rPr lang="de-DE"/>
               <a:t>Fünfte Ebene</a:t>
             </a:r>
             <a:endParaRPr lang="en-US" dirty="0"/>
@@ -2513,7 +2512,7 @@
           <a:p>
             <a:pPr lvl="0"/>
             <a:r>
-              <a:rPr lang="de-DE" smtClean="0"/>
+              <a:rPr lang="de-DE"/>
               <a:t>Formatvorlagen des Textmasters bearbeiten</a:t>
             </a:r>
           </a:p>
@@ -2536,7 +2535,7 @@
           <a:p>
             <a:fld id="{A314A3EB-5E85-4AC0-8178-142E63516165}" type="datetimeFigureOut">
               <a:rPr lang="de-DE" smtClean="0"/>
-              <a:t>19.06.2019</a:t>
+              <a:t>19.07.19</a:t>
             </a:fld>
             <a:endParaRPr lang="de-DE"/>
           </a:p>
@@ -2578,7 +2577,7 @@
           <a:p>
             <a:fld id="{36BDBAF9-A2E5-4F6D-958F-594D43815227}" type="slidenum">
               <a:rPr lang="de-DE" smtClean="0"/>
-              <a:t>‹Nr.›</a:t>
+              <a:t>‹#›</a:t>
             </a:fld>
             <a:endParaRPr lang="de-DE"/>
           </a:p>
@@ -2639,7 +2638,7 @@
           </a:lstStyle>
           <a:p>
             <a:r>
-              <a:rPr lang="de-DE" smtClean="0"/>
+              <a:rPr lang="de-DE"/>
               <a:t>Titelmasterformat durch Klicken bearbeiten</a:t>
             </a:r>
             <a:endParaRPr lang="en-US" dirty="0"/>
@@ -2704,7 +2703,7 @@
           </a:lstStyle>
           <a:p>
             <a:r>
-              <a:rPr lang="de-DE" smtClean="0"/>
+              <a:rPr lang="de-DE"/>
               <a:t>Bild durch Klicken auf Symbol hinzufügen</a:t>
             </a:r>
             <a:endParaRPr lang="en-US" dirty="0"/>
@@ -2770,7 +2769,7 @@
           <a:p>
             <a:pPr lvl="0"/>
             <a:r>
-              <a:rPr lang="de-DE" smtClean="0"/>
+              <a:rPr lang="de-DE"/>
               <a:t>Formatvorlagen des Textmasters bearbeiten</a:t>
             </a:r>
           </a:p>
@@ -2793,7 +2792,7 @@
           <a:p>
             <a:fld id="{A314A3EB-5E85-4AC0-8178-142E63516165}" type="datetimeFigureOut">
               <a:rPr lang="de-DE" smtClean="0"/>
-              <a:t>19.06.2019</a:t>
+              <a:t>19.07.19</a:t>
             </a:fld>
             <a:endParaRPr lang="de-DE"/>
           </a:p>
@@ -2835,7 +2834,7 @@
           <a:p>
             <a:fld id="{36BDBAF9-A2E5-4F6D-958F-594D43815227}" type="slidenum">
               <a:rPr lang="de-DE" smtClean="0"/>
-              <a:t>‹Nr.›</a:t>
+              <a:t>‹#›</a:t>
             </a:fld>
             <a:endParaRPr lang="de-DE"/>
           </a:p>
@@ -2902,7 +2901,7 @@
           <a:lstStyle/>
           <a:p>
             <a:r>
-              <a:rPr lang="de-DE" smtClean="0"/>
+              <a:rPr lang="de-DE"/>
               <a:t>Titelmasterformat durch Klicken bearbeiten</a:t>
             </a:r>
             <a:endParaRPr lang="en-US" dirty="0"/>
@@ -2936,35 +2935,35 @@
           <a:p>
             <a:pPr lvl="0"/>
             <a:r>
-              <a:rPr lang="de-DE" smtClean="0"/>
+              <a:rPr lang="de-DE"/>
               <a:t>Formatvorlagen des Textmasters bearbeiten</a:t>
             </a:r>
           </a:p>
           <a:p>
             <a:pPr lvl="1"/>
             <a:r>
-              <a:rPr lang="de-DE" smtClean="0"/>
+              <a:rPr lang="de-DE"/>
               <a:t>Zweite Ebene</a:t>
             </a:r>
           </a:p>
           <a:p>
             <a:pPr lvl="2"/>
             <a:r>
-              <a:rPr lang="de-DE" smtClean="0"/>
+              <a:rPr lang="de-DE"/>
               <a:t>Dritte Ebene</a:t>
             </a:r>
           </a:p>
           <a:p>
             <a:pPr lvl="3"/>
             <a:r>
-              <a:rPr lang="de-DE" smtClean="0"/>
+              <a:rPr lang="de-DE"/>
               <a:t>Vierte Ebene</a:t>
             </a:r>
           </a:p>
           <a:p>
             <a:pPr lvl="4"/>
             <a:r>
-              <a:rPr lang="de-DE" smtClean="0"/>
+              <a:rPr lang="de-DE"/>
               <a:t>Fünfte Ebene</a:t>
             </a:r>
             <a:endParaRPr lang="en-US" dirty="0"/>
@@ -3006,7 +3005,7 @@
           <a:p>
             <a:fld id="{A314A3EB-5E85-4AC0-8178-142E63516165}" type="datetimeFigureOut">
               <a:rPr lang="de-DE" smtClean="0"/>
-              <a:t>19.06.2019</a:t>
+              <a:t>19.07.19</a:t>
             </a:fld>
             <a:endParaRPr lang="de-DE"/>
           </a:p>
@@ -3084,7 +3083,7 @@
           <a:p>
             <a:fld id="{36BDBAF9-A2E5-4F6D-958F-594D43815227}" type="slidenum">
               <a:rPr lang="de-DE" smtClean="0"/>
-              <a:t>‹Nr.›</a:t>
+              <a:t>‹#›</a:t>
             </a:fld>
             <a:endParaRPr lang="de-DE"/>
           </a:p>
@@ -3656,23 +3655,19 @@
               </a:lnSpc>
             </a:pPr>
             <a:r>
-              <a:rPr lang="de-DE" dirty="0" smtClean="0"/>
+              <a:rPr lang="de-DE" dirty="0"/>
               <a:t>Infrastructure</a:t>
             </a:r>
             <a:br>
-              <a:rPr lang="de-DE" dirty="0" smtClean="0"/>
+              <a:rPr lang="de-DE" dirty="0"/>
             </a:br>
             <a:r>
-              <a:rPr lang="de-DE" dirty="0" smtClean="0"/>
+              <a:rPr lang="de-DE" dirty="0"/>
               <a:t>&amp; </a:t>
             </a:r>
             <a:r>
-              <a:rPr lang="de-DE" dirty="0" err="1" smtClean="0"/>
-              <a:t>F</a:t>
-            </a:r>
-            <a:r>
-              <a:rPr lang="de-DE" dirty="0" err="1" smtClean="0"/>
-              <a:t>acilities</a:t>
+              <a:rPr lang="de-DE" dirty="0" err="1"/>
+              <a:t>Facilities</a:t>
             </a:r>
             <a:endParaRPr lang="de-DE" dirty="0"/>
           </a:p>
@@ -3803,15 +3798,11 @@
               <a:rPr lang="de-DE" dirty="0"/>
               <a:t>Quantum </a:t>
             </a:r>
-            <a:r>
-              <a:rPr lang="de-DE" dirty="0" smtClean="0"/>
-              <a:t/>
-            </a:r>
             <a:br>
-              <a:rPr lang="de-DE" dirty="0" smtClean="0"/>
+              <a:rPr lang="de-DE" dirty="0"/>
             </a:br>
             <a:r>
-              <a:rPr lang="de-DE" dirty="0" err="1" smtClean="0"/>
+              <a:rPr lang="de-DE" dirty="0" err="1"/>
               <a:t>Enhancements</a:t>
             </a:r>
             <a:endParaRPr lang="de-DE" dirty="0"/>
@@ -3880,21 +3871,16 @@
               </a:lnSpc>
             </a:pPr>
             <a:r>
-              <a:rPr lang="de-DE" dirty="0" err="1" smtClean="0"/>
+              <a:rPr lang="de-DE" dirty="0" err="1"/>
               <a:t>Newtonian</a:t>
             </a:r>
-            <a:r>
-              <a:rPr lang="de-DE" dirty="0" smtClean="0"/>
-              <a:t/>
-            </a:r>
             <a:br>
-              <a:rPr lang="de-DE" dirty="0" smtClean="0"/>
+              <a:rPr lang="de-DE" dirty="0"/>
             </a:br>
             <a:r>
-              <a:rPr lang="de-DE" dirty="0" smtClean="0"/>
+              <a:rPr lang="de-DE" dirty="0"/>
               <a:t>Noise</a:t>
             </a:r>
-            <a:endParaRPr lang="de-DE" dirty="0"/>
           </a:p>
         </p:txBody>
       </p:sp>
@@ -3950,14 +3936,9 @@
           <a:lstStyle/>
           <a:p>
             <a:r>
-              <a:rPr lang="de-DE" dirty="0" smtClean="0"/>
-              <a:t>Simulation </a:t>
-            </a:r>
-            <a:r>
               <a:rPr lang="de-DE" dirty="0"/>
-              <a:t>&amp; </a:t>
-            </a:r>
-            <a:endParaRPr lang="de-DE" dirty="0" smtClean="0"/>
+              <a:t>Simulation &amp; </a:t>
+            </a:r>
           </a:p>
           <a:p>
             <a:pPr>
@@ -3966,10 +3947,9 @@
               </a:lnSpc>
             </a:pPr>
             <a:r>
-              <a:rPr lang="de-DE" dirty="0" smtClean="0"/>
+              <a:rPr lang="de-DE" dirty="0"/>
               <a:t>Control</a:t>
             </a:r>
-            <a:endParaRPr lang="de-DE" dirty="0"/>
           </a:p>
         </p:txBody>
       </p:sp>
@@ -4001,18 +3981,18 @@
               </a:lnSpc>
             </a:pPr>
             <a:r>
-              <a:rPr lang="de-DE" dirty="0" err="1" smtClean="0"/>
+              <a:rPr lang="de-DE" dirty="0" err="1"/>
               <a:t>Auxiliary</a:t>
             </a:r>
             <a:r>
-              <a:rPr lang="de-DE" dirty="0" smtClean="0"/>
+              <a:rPr lang="de-DE" dirty="0"/>
               <a:t> </a:t>
             </a:r>
             <a:br>
-              <a:rPr lang="de-DE" dirty="0" smtClean="0"/>
+              <a:rPr lang="de-DE" dirty="0"/>
             </a:br>
             <a:r>
-              <a:rPr lang="de-DE" dirty="0" err="1" smtClean="0"/>
+              <a:rPr lang="de-DE" dirty="0" err="1"/>
               <a:t>Optics</a:t>
             </a:r>
             <a:endParaRPr lang="de-DE" dirty="0"/>
@@ -4824,13 +4804,8 @@
           <a:p>
             <a:r>
               <a:rPr lang="de-DE" dirty="0"/>
-              <a:t>T</a:t>
-            </a:r>
-            <a:r>
-              <a:rPr lang="de-DE" dirty="0" smtClean="0"/>
-              <a:t>ime</a:t>
-            </a:r>
-            <a:endParaRPr lang="de-DE" dirty="0"/>
+              <a:t>Time</a:t>
+            </a:r>
           </a:p>
         </p:txBody>
       </p:sp>
@@ -5535,23 +5510,23 @@
               <a:lstStyle/>
               <a:p>
                 <a:r>
-                  <a:rPr lang="de-DE" dirty="0" err="1" smtClean="0"/>
+                  <a:rPr lang="de-DE" dirty="0" err="1"/>
                   <a:t>Required</a:t>
                 </a:r>
                 <a:r>
-                  <a:rPr lang="de-DE" dirty="0" smtClean="0"/>
+                  <a:rPr lang="de-DE" dirty="0"/>
                   <a:t> </a:t>
                 </a:r>
                 <a:r>
-                  <a:rPr lang="de-DE" dirty="0" err="1" smtClean="0"/>
+                  <a:rPr lang="de-DE" dirty="0" err="1"/>
                   <a:t>maturity</a:t>
                 </a:r>
                 <a:r>
-                  <a:rPr lang="de-DE" dirty="0" smtClean="0"/>
+                  <a:rPr lang="de-DE" dirty="0"/>
                   <a:t> </a:t>
                 </a:r>
                 <a:r>
-                  <a:rPr lang="de-DE" dirty="0" err="1" smtClean="0"/>
+                  <a:rPr lang="de-DE" dirty="0" err="1"/>
                   <a:t>level</a:t>
                 </a:r>
                 <a:endParaRPr lang="de-DE" dirty="0"/>
@@ -5622,18 +5597,13 @@
                 <a:p>
                   <a:pPr algn="ctr"/>
                   <a:r>
-                    <a:rPr lang="de-DE" dirty="0" smtClean="0">
+                    <a:rPr lang="de-DE" dirty="0">
                       <a:solidFill>
                         <a:schemeClr val="tx1"/>
                       </a:solidFill>
                     </a:rPr>
                     <a:t>ML2</a:t>
                   </a:r>
-                  <a:endParaRPr lang="de-DE" dirty="0">
-                    <a:solidFill>
-                      <a:schemeClr val="tx1"/>
-                    </a:solidFill>
-                  </a:endParaRPr>
                 </a:p>
               </p:txBody>
             </p:sp>
@@ -5687,18 +5657,13 @@
                 <a:p>
                   <a:pPr algn="ctr"/>
                   <a:r>
-                    <a:rPr lang="de-DE" dirty="0" smtClean="0">
+                    <a:rPr lang="de-DE" dirty="0">
                       <a:solidFill>
                         <a:schemeClr val="tx1"/>
                       </a:solidFill>
                     </a:rPr>
                     <a:t>ML3</a:t>
                   </a:r>
-                  <a:endParaRPr lang="de-DE" dirty="0">
-                    <a:solidFill>
-                      <a:schemeClr val="tx1"/>
-                    </a:solidFill>
-                  </a:endParaRPr>
                 </a:p>
               </p:txBody>
             </p:sp>
@@ -5752,18 +5717,13 @@
                 <a:p>
                   <a:pPr algn="ctr"/>
                   <a:r>
-                    <a:rPr lang="de-DE" dirty="0" smtClean="0">
+                    <a:rPr lang="de-DE" dirty="0">
                       <a:solidFill>
                         <a:schemeClr val="tx1"/>
                       </a:solidFill>
                     </a:rPr>
                     <a:t>ML4</a:t>
                   </a:r>
-                  <a:endParaRPr lang="de-DE" dirty="0">
-                    <a:solidFill>
-                      <a:schemeClr val="tx1"/>
-                    </a:solidFill>
-                  </a:endParaRPr>
                 </a:p>
               </p:txBody>
             </p:sp>
@@ -5817,18 +5777,13 @@
                 <a:p>
                   <a:pPr algn="ctr"/>
                   <a:r>
-                    <a:rPr lang="de-DE" dirty="0" smtClean="0">
+                    <a:rPr lang="de-DE" dirty="0">
                       <a:solidFill>
                         <a:schemeClr val="tx1"/>
                       </a:solidFill>
                     </a:rPr>
                     <a:t>ML1</a:t>
                   </a:r>
-                  <a:endParaRPr lang="de-DE" dirty="0">
-                    <a:solidFill>
-                      <a:schemeClr val="tx1"/>
-                    </a:solidFill>
-                  </a:endParaRPr>
                 </a:p>
               </p:txBody>
             </p:sp>
@@ -5856,7 +5811,7 @@
               <a:lstStyle/>
               <a:p>
                 <a:r>
-                  <a:rPr lang="de-DE" sz="1600" dirty="0" err="1" smtClean="0"/>
+                  <a:rPr lang="de-DE" sz="1600" dirty="0" err="1"/>
                   <a:t>Conceptual</a:t>
                 </a:r>
                 <a:endParaRPr lang="de-DE" sz="1600" dirty="0"/>
@@ -5886,22 +5841,21 @@
               <a:lstStyle/>
               <a:p>
                 <a:r>
-                  <a:rPr lang="de-DE" sz="1600" dirty="0" err="1" smtClean="0"/>
+                  <a:rPr lang="de-DE" sz="1600" dirty="0" err="1"/>
                   <a:t>Ready</a:t>
                 </a:r>
                 <a:r>
-                  <a:rPr lang="de-DE" sz="1600" dirty="0" smtClean="0"/>
+                  <a:rPr lang="de-DE" sz="1600" dirty="0"/>
                   <a:t> </a:t>
                 </a:r>
                 <a:r>
-                  <a:rPr lang="de-DE" sz="1600" dirty="0" err="1" smtClean="0"/>
+                  <a:rPr lang="de-DE" sz="1600" dirty="0" err="1"/>
                   <a:t>for</a:t>
                 </a:r>
                 <a:r>
-                  <a:rPr lang="de-DE" sz="1600" dirty="0" smtClean="0"/>
+                  <a:rPr lang="de-DE" sz="1600" dirty="0"/>
                   <a:t> Installation</a:t>
                 </a:r>
-                <a:endParaRPr lang="de-DE" sz="1600" dirty="0"/>
               </a:p>
             </p:txBody>
           </p:sp>
@@ -5928,10 +5882,9 @@
               <a:lstStyle/>
               <a:p>
                 <a:r>
-                  <a:rPr lang="de-DE" sz="1600" dirty="0" smtClean="0"/>
+                  <a:rPr lang="de-DE" sz="1600" dirty="0"/>
                   <a:t>Technical</a:t>
                 </a:r>
-                <a:endParaRPr lang="de-DE" sz="1600" dirty="0"/>
               </a:p>
             </p:txBody>
           </p:sp>
@@ -5958,11 +5911,11 @@
               <a:lstStyle/>
               <a:p>
                 <a:r>
-                  <a:rPr lang="de-DE" sz="1600" dirty="0" smtClean="0"/>
+                  <a:rPr lang="de-DE" sz="1600" dirty="0"/>
                   <a:t>Prototype </a:t>
                 </a:r>
                 <a:r>
-                  <a:rPr lang="de-DE" sz="1600" dirty="0" err="1" smtClean="0"/>
+                  <a:rPr lang="de-DE" sz="1600" dirty="0" err="1"/>
                   <a:t>demo</a:t>
                 </a:r>
                 <a:endParaRPr lang="de-DE" sz="1600" dirty="0"/>
@@ -6066,36 +6019,9 @@
             <a:lstStyle/>
             <a:p>
               <a:r>
-                <a:rPr lang="de-DE" dirty="0" smtClean="0"/>
-                <a:t>Total </a:t>
+                <a:rPr lang="de-DE" dirty="0"/>
+                <a:t>Relative R&amp;D Investment</a:t>
               </a:r>
-              <a:r>
-                <a:rPr lang="de-DE" dirty="0" err="1" smtClean="0"/>
-                <a:t>required</a:t>
-              </a:r>
-              <a:r>
-                <a:rPr lang="de-DE" dirty="0" smtClean="0"/>
-                <a:t> </a:t>
-              </a:r>
-            </a:p>
-            <a:p>
-              <a:r>
-                <a:rPr lang="de-DE" dirty="0" smtClean="0"/>
-                <a:t>R&amp;D </a:t>
-              </a:r>
-              <a:r>
-                <a:rPr lang="de-DE" dirty="0" err="1" smtClean="0"/>
-                <a:t>resource</a:t>
-              </a:r>
-              <a:r>
-                <a:rPr lang="de-DE" dirty="0" smtClean="0"/>
-                <a:t> </a:t>
-              </a:r>
-              <a:r>
-                <a:rPr lang="de-DE" dirty="0" err="1"/>
-                <a:t>level</a:t>
-              </a:r>
-              <a:endParaRPr lang="de-DE" dirty="0"/>
             </a:p>
           </p:txBody>
         </p:sp>
@@ -6473,13 +6399,8 @@
             <a:p>
               <a:r>
                 <a:rPr lang="de-DE" sz="1200" dirty="0"/>
-                <a:t> </a:t>
+                <a:t>   </a:t>
               </a:r>
-              <a:r>
-                <a:rPr lang="de-DE" sz="1200" dirty="0" smtClean="0"/>
-                <a:t>  </a:t>
-              </a:r>
-              <a:endParaRPr lang="de-DE" sz="1200" dirty="0"/>
             </a:p>
           </p:txBody>
         </p:sp>
@@ -6494,13 +6415,6 @@
   <p:clrMapOvr>
     <a:masterClrMapping/>
   </p:clrMapOvr>
-  <p:timing>
-    <p:tnLst>
-      <p:par>
-        <p:cTn id="1" dur="indefinite" restart="never" nodeType="tmRoot"/>
-      </p:par>
-    </p:tnLst>
-  </p:timing>
 </p:sld>
 </file>
 
